--- a/Strategy_house_template.pptx
+++ b/Strategy_house_template.pptx
@@ -197,7 +197,7 @@
           <a:p>
             <a:fld id="{77AB6CFA-8C06-A742-9C67-9EB8DDEC067B}" type="datetimeFigureOut">
               <a:rPr lang="en-US" smtClean="0"/>
-              <a:t>9/8/24</a:t>
+              <a:t>1/10/25</a:t>
             </a:fld>
             <a:endParaRPr lang="en-US"/>
           </a:p>
@@ -463,6 +463,90 @@
     </a:lvl9pPr>
   </p:notesStyle>
 </p:notesMaster>
+</file>
+
+<file path=ppt/notesSlides/notesSlide1.xml><?xml version="1.0" encoding="utf-8"?>
+<p:notes xmlns:a="http://schemas.openxmlformats.org/drawingml/2006/main" xmlns:r="http://schemas.openxmlformats.org/officeDocument/2006/relationships" xmlns:p="http://schemas.openxmlformats.org/presentationml/2006/main">
+  <p:cSld>
+    <p:spTree>
+      <p:nvGrpSpPr>
+        <p:cNvPr id="1" name=""/>
+        <p:cNvGrpSpPr/>
+        <p:nvPr/>
+      </p:nvGrpSpPr>
+      <p:grpSpPr>
+        <a:xfrm>
+          <a:off x="0" y="0"/>
+          <a:ext cx="0" cy="0"/>
+          <a:chOff x="0" y="0"/>
+          <a:chExt cx="0" cy="0"/>
+        </a:xfrm>
+      </p:grpSpPr>
+      <p:sp>
+        <p:nvSpPr>
+          <p:cNvPr id="2" name="Slide Image Placeholder 1"/>
+          <p:cNvSpPr>
+            <a:spLocks noGrp="1" noRot="1" noChangeAspect="1"/>
+          </p:cNvSpPr>
+          <p:nvPr>
+            <p:ph type="sldImg"/>
+          </p:nvPr>
+        </p:nvSpPr>
+        <p:spPr/>
+      </p:sp>
+      <p:sp>
+        <p:nvSpPr>
+          <p:cNvPr id="3" name="Notes Placeholder 2"/>
+          <p:cNvSpPr>
+            <a:spLocks noGrp="1"/>
+          </p:cNvSpPr>
+          <p:nvPr>
+            <p:ph type="body" idx="1"/>
+          </p:nvPr>
+        </p:nvSpPr>
+        <p:spPr/>
+        <p:txBody>
+          <a:bodyPr/>
+          <a:lstStyle/>
+          <a:p>
+            <a:endParaRPr lang="en-US" dirty="0"/>
+          </a:p>
+        </p:txBody>
+      </p:sp>
+      <p:sp>
+        <p:nvSpPr>
+          <p:cNvPr id="4" name="Slide Number Placeholder 3"/>
+          <p:cNvSpPr>
+            <a:spLocks noGrp="1"/>
+          </p:cNvSpPr>
+          <p:nvPr>
+            <p:ph type="sldNum" sz="quarter" idx="5"/>
+          </p:nvPr>
+        </p:nvSpPr>
+        <p:spPr/>
+        <p:txBody>
+          <a:bodyPr/>
+          <a:lstStyle/>
+          <a:p>
+            <a:fld id="{763931CF-879D-C24C-B4FC-A16B88D776C8}" type="slidenum">
+              <a:rPr lang="en-US" smtClean="0"/>
+              <a:t>1</a:t>
+            </a:fld>
+            <a:endParaRPr lang="en-US"/>
+          </a:p>
+        </p:txBody>
+      </p:sp>
+    </p:spTree>
+    <p:extLst>
+      <p:ext uri="{BB962C8B-B14F-4D97-AF65-F5344CB8AC3E}">
+        <p14:creationId xmlns:p14="http://schemas.microsoft.com/office/powerpoint/2010/main" val="2829324616"/>
+      </p:ext>
+    </p:extLst>
+  </p:cSld>
+  <p:clrMapOvr>
+    <a:masterClrMapping/>
+  </p:clrMapOvr>
+</p:notes>
 </file>
 
 <file path=ppt/slideLayouts/slideLayout1.xml><?xml version="1.0" encoding="utf-8"?>
@@ -1900,10 +1984,9 @@
           <a:lstStyle/>
           <a:p>
             <a:r>
-              <a:rPr lang="en-GB" dirty="0" err="1"/>
-              <a:t>slide_subtitle</a:t>
+              <a:rPr lang="en-GB" dirty="0"/>
+              <a:t>Subtitle</a:t>
             </a:r>
-            <a:endParaRPr lang="en-GB" dirty="0"/>
           </a:p>
         </p:txBody>
       </p:sp>
@@ -1931,8 +2014,8 @@
           <a:lstStyle/>
           <a:p>
             <a:r>
-              <a:rPr lang="en-GB" dirty="0" err="1"/>
-              <a:t>slide_title</a:t>
+              <a:rPr lang="en-GB" dirty="0"/>
+              <a:t>Title</a:t>
             </a:r>
             <a:endParaRPr lang="en-US" dirty="0"/>
           </a:p>
@@ -1956,7 +2039,7 @@
         </p:nvSpPr>
         <p:spPr/>
         <p:txBody>
-          <a:bodyPr>
+          <a:bodyPr anchor="ctr">
             <a:normAutofit/>
           </a:bodyPr>
           <a:lstStyle/>
@@ -1964,7 +2047,7 @@
             <a:pPr algn="ctr"/>
             <a:r>
               <a:rPr lang="en-GB" sz="1200" b="1" dirty="0" err="1"/>
-              <a:t>Medcomms_strategy</a:t>
+              <a:t>Strategy_summary</a:t>
             </a:r>
             <a:endParaRPr lang="en-GB" sz="1200" b="1" dirty="0"/>
           </a:p>
@@ -1994,10 +2077,9 @@
           <a:lstStyle/>
           <a:p>
             <a:r>
-              <a:rPr lang="en-US" dirty="0" err="1"/>
-              <a:t>Pillar_one_bullets</a:t>
+              <a:rPr lang="en-US" dirty="0"/>
+              <a:t>Pillar_1_bullets</a:t>
             </a:r>
-            <a:endParaRPr lang="en-US" dirty="0"/>
           </a:p>
         </p:txBody>
       </p:sp>
@@ -2025,10 +2107,9 @@
           <a:lstStyle/>
           <a:p>
             <a:r>
-              <a:rPr lang="en-US" dirty="0" err="1"/>
-              <a:t>Pillar_two_bullets</a:t>
+              <a:rPr lang="en-US" dirty="0"/>
+              <a:t>Pillar_2_bullets</a:t>
             </a:r>
-            <a:endParaRPr lang="en-US" dirty="0"/>
           </a:p>
         </p:txBody>
       </p:sp>
@@ -2056,10 +2137,9 @@
           <a:lstStyle/>
           <a:p>
             <a:r>
-              <a:rPr lang="en-US" dirty="0" err="1"/>
-              <a:t>Pillar_three_bullets</a:t>
+              <a:rPr lang="en-US" dirty="0"/>
+              <a:t>Pillar_3_bullets</a:t>
             </a:r>
-            <a:endParaRPr lang="en-US" dirty="0"/>
           </a:p>
         </p:txBody>
       </p:sp>
@@ -2087,10 +2167,9 @@
           <a:lstStyle/>
           <a:p>
             <a:r>
-              <a:rPr lang="en-US" dirty="0" err="1"/>
-              <a:t>Pillar_four_bullets</a:t>
+              <a:rPr lang="en-US" dirty="0"/>
+              <a:t>Pillar_4_bullets</a:t>
             </a:r>
-            <a:endParaRPr lang="en-US" dirty="0"/>
           </a:p>
         </p:txBody>
       </p:sp>
@@ -2123,18 +2202,13 @@
           <a:p>
             <a:pPr algn="l"/>
             <a:r>
-              <a:rPr lang="en-GB" sz="1100" b="1" dirty="0" err="1">
+              <a:rPr lang="en-GB" sz="1100" b="1" dirty="0">
                 <a:solidFill>
                   <a:schemeClr val="accent5"/>
                 </a:solidFill>
               </a:rPr>
-              <a:t>Pillar_one_name</a:t>
+              <a:t>Pillar_1_name</a:t>
             </a:r>
-            <a:endParaRPr lang="en-GB" sz="1100" b="1" dirty="0">
-              <a:solidFill>
-                <a:schemeClr val="accent5"/>
-              </a:solidFill>
-            </a:endParaRPr>
           </a:p>
         </p:txBody>
       </p:sp>
@@ -2167,18 +2241,13 @@
           <a:p>
             <a:pPr algn="l"/>
             <a:r>
-              <a:rPr lang="en-GB" sz="1100" b="1" dirty="0" err="1">
+              <a:rPr lang="en-GB" sz="1100" b="1" dirty="0">
                 <a:solidFill>
                   <a:schemeClr val="accent5"/>
                 </a:solidFill>
               </a:rPr>
-              <a:t>Pillar_two_name</a:t>
+              <a:t>Pillar_2_name</a:t>
             </a:r>
-            <a:endParaRPr lang="en-GB" sz="1100" b="1" dirty="0">
-              <a:solidFill>
-                <a:schemeClr val="accent5"/>
-              </a:solidFill>
-            </a:endParaRPr>
           </a:p>
         </p:txBody>
       </p:sp>
@@ -2211,18 +2280,13 @@
           <a:p>
             <a:pPr algn="l"/>
             <a:r>
-              <a:rPr lang="en-GB" sz="1100" b="1" dirty="0" err="1">
+              <a:rPr lang="en-GB" sz="1100" b="1" dirty="0">
                 <a:solidFill>
                   <a:schemeClr val="accent5"/>
                 </a:solidFill>
               </a:rPr>
-              <a:t>Pillar_three_name</a:t>
+              <a:t>Pillar_3_name</a:t>
             </a:r>
-            <a:endParaRPr lang="en-GB" sz="1100" b="1" dirty="0">
-              <a:solidFill>
-                <a:schemeClr val="accent5"/>
-              </a:solidFill>
-            </a:endParaRPr>
           </a:p>
         </p:txBody>
       </p:sp>
@@ -2255,18 +2319,13 @@
           <a:p>
             <a:pPr algn="l"/>
             <a:r>
-              <a:rPr lang="en-GB" sz="1100" b="1" dirty="0" err="1">
+              <a:rPr lang="en-GB" sz="1100" b="1" dirty="0">
                 <a:solidFill>
                   <a:schemeClr val="accent5"/>
                 </a:solidFill>
               </a:rPr>
-              <a:t>Pillar_four_name</a:t>
+              <a:t>Pillar_4_name</a:t>
             </a:r>
-            <a:endParaRPr lang="en-GB" sz="1100" b="1" dirty="0">
-              <a:solidFill>
-                <a:schemeClr val="accent5"/>
-              </a:solidFill>
-            </a:endParaRPr>
           </a:p>
         </p:txBody>
       </p:sp>
@@ -2972,14 +3031,12 @@
 </file>
 
 <file path=customXml/item1.xml><?xml version="1.0" encoding="utf-8"?>
-<p:properties xmlns:p="http://schemas.microsoft.com/office/2006/metadata/properties" xmlns:xsi="http://www.w3.org/2001/XMLSchema-instance" xmlns:pc="http://schemas.microsoft.com/office/infopath/2007/PartnerControls">
-  <documentManagement>
-    <TaxCatchAll xmlns="9bea065c-4598-471b-a0d8-b208471d6a41" xsi:nil="true"/>
-    <lcf76f155ced4ddcb4097134ff3c332f xmlns="737cdb0d-9f15-48ec-9529-975a91239bb1">
-      <Terms xmlns="http://schemas.microsoft.com/office/infopath/2007/PartnerControls"/>
-    </lcf76f155ced4ddcb4097134ff3c332f>
-  </documentManagement>
-</p:properties>
+<?mso-contentType ?>
+<FormTemplates xmlns="http://schemas.microsoft.com/sharepoint/v3/contenttype/forms">
+  <Display>DocumentLibraryForm</Display>
+  <Edit>DocumentLibraryForm</Edit>
+  <New>DocumentLibraryForm</New>
+</FormTemplates>
 </file>
 
 <file path=customXml/item2.xml><?xml version="1.0" encoding="utf-8"?>
@@ -3218,27 +3275,20 @@
 </file>
 
 <file path=customXml/item3.xml><?xml version="1.0" encoding="utf-8"?>
-<?mso-contentType ?>
-<FormTemplates xmlns="http://schemas.microsoft.com/sharepoint/v3/contenttype/forms">
-  <Display>DocumentLibraryForm</Display>
-  <Edit>DocumentLibraryForm</Edit>
-  <New>DocumentLibraryForm</New>
-</FormTemplates>
+<p:properties xmlns:p="http://schemas.microsoft.com/office/2006/metadata/properties" xmlns:xsi="http://www.w3.org/2001/XMLSchema-instance" xmlns:pc="http://schemas.microsoft.com/office/infopath/2007/PartnerControls">
+  <documentManagement>
+    <TaxCatchAll xmlns="9bea065c-4598-471b-a0d8-b208471d6a41" xsi:nil="true"/>
+    <lcf76f155ced4ddcb4097134ff3c332f xmlns="737cdb0d-9f15-48ec-9529-975a91239bb1">
+      <Terms xmlns="http://schemas.microsoft.com/office/infopath/2007/PartnerControls"/>
+    </lcf76f155ced4ddcb4097134ff3c332f>
+  </documentManagement>
+</p:properties>
 </file>
 
 <file path=customXml/itemProps1.xml><?xml version="1.0" encoding="utf-8"?>
-<ds:datastoreItem xmlns:ds="http://schemas.openxmlformats.org/officeDocument/2006/customXml" ds:itemID="{9674E985-4D59-45AB-8970-AD8E2C92CE21}">
+<ds:datastoreItem xmlns:ds="http://schemas.openxmlformats.org/officeDocument/2006/customXml" ds:itemID="{3BB299B6-1159-4940-B296-E198453C8E80}">
   <ds:schemaRefs>
-    <ds:schemaRef ds:uri="http://purl.org/dc/elements/1.1/"/>
-    <ds:schemaRef ds:uri="http://schemas.microsoft.com/office/2006/metadata/properties"/>
-    <ds:schemaRef ds:uri="http://schemas.microsoft.com/office/2006/documentManagement/types"/>
-    <ds:schemaRef ds:uri="http://schemas.microsoft.com/office/infopath/2007/PartnerControls"/>
-    <ds:schemaRef ds:uri="http://schemas.openxmlformats.org/package/2006/metadata/core-properties"/>
-    <ds:schemaRef ds:uri="http://purl.org/dc/dcmitype/"/>
-    <ds:schemaRef ds:uri="http://purl.org/dc/terms/"/>
-    <ds:schemaRef ds:uri="9bea065c-4598-471b-a0d8-b208471d6a41"/>
-    <ds:schemaRef ds:uri="737cdb0d-9f15-48ec-9529-975a91239bb1"/>
-    <ds:schemaRef ds:uri="http://www.w3.org/XML/1998/namespace"/>
+    <ds:schemaRef ds:uri="http://schemas.microsoft.com/sharepoint/v3/contenttype/forms"/>
   </ds:schemaRefs>
 </ds:datastoreItem>
 </file>
@@ -3263,9 +3313,18 @@
 </file>
 
 <file path=customXml/itemProps3.xml><?xml version="1.0" encoding="utf-8"?>
-<ds:datastoreItem xmlns:ds="http://schemas.openxmlformats.org/officeDocument/2006/customXml" ds:itemID="{3BB299B6-1159-4940-B296-E198453C8E80}">
+<ds:datastoreItem xmlns:ds="http://schemas.openxmlformats.org/officeDocument/2006/customXml" ds:itemID="{9674E985-4D59-45AB-8970-AD8E2C92CE21}">
   <ds:schemaRefs>
-    <ds:schemaRef ds:uri="http://schemas.microsoft.com/sharepoint/v3/contenttype/forms"/>
+    <ds:schemaRef ds:uri="http://purl.org/dc/elements/1.1/"/>
+    <ds:schemaRef ds:uri="http://schemas.microsoft.com/office/2006/metadata/properties"/>
+    <ds:schemaRef ds:uri="http://schemas.microsoft.com/office/2006/documentManagement/types"/>
+    <ds:schemaRef ds:uri="http://schemas.microsoft.com/office/infopath/2007/PartnerControls"/>
+    <ds:schemaRef ds:uri="http://schemas.openxmlformats.org/package/2006/metadata/core-properties"/>
+    <ds:schemaRef ds:uri="http://purl.org/dc/dcmitype/"/>
+    <ds:schemaRef ds:uri="http://purl.org/dc/terms/"/>
+    <ds:schemaRef ds:uri="9bea065c-4598-471b-a0d8-b208471d6a41"/>
+    <ds:schemaRef ds:uri="737cdb0d-9f15-48ec-9529-975a91239bb1"/>
+    <ds:schemaRef ds:uri="http://www.w3.org/XML/1998/namespace"/>
   </ds:schemaRefs>
 </ds:datastoreItem>
 </file>